--- a/7. Group Project/W6D5_Project/Powerpoint/Watch Me Whip.pptx
+++ b/7. Group Project/W6D5_Project/Powerpoint/Watch Me Whip.pptx
@@ -6081,17 +6081,32 @@
         <p:spPr/>
         <p:txBody>
           <a:bodyPr>
-            <a:normAutofit/>
+            <a:normAutofit fontScale="92500" lnSpcReduction="10000"/>
           </a:bodyPr>
           <a:lstStyle/>
           <a:p>
             <a:r>
               <a:rPr lang="en-US" b="0" i="1" dirty="0" smtClean="0"/>
-              <a:t>An online website project </a:t>
-            </a:r>
-            <a:r>
-              <a:rPr lang="en-US" dirty="0" smtClean="0"/>
-              <a:t>by group 2</a:t>
+              <a:t>An online </a:t>
+            </a:r>
+            <a:r>
+              <a:rPr lang="en-US" b="0" i="1" dirty="0" smtClean="0"/>
+              <a:t>SHOPPING website </a:t>
+            </a:r>
+            <a:r>
+              <a:rPr lang="en-US" b="0" i="1" dirty="0" smtClean="0"/>
+              <a:t>project </a:t>
+            </a:r>
+            <a:endParaRPr lang="en-US" b="0" i="1" dirty="0" smtClean="0"/>
+          </a:p>
+          <a:p>
+            <a:r>
+              <a:rPr lang="en-US" dirty="0" smtClean="0"/>
+              <a:t>by </a:t>
+            </a:r>
+            <a:r>
+              <a:rPr lang="en-US" dirty="0" smtClean="0"/>
+              <a:t>group 2</a:t>
             </a:r>
           </a:p>
           <a:p>

--- a/7. Group Project/W6D5_Project/Powerpoint/Watch Me Whip.pptx
+++ b/7. Group Project/W6D5_Project/Powerpoint/Watch Me Whip.pptx
@@ -6081,32 +6081,19 @@
         <p:spPr/>
         <p:txBody>
           <a:bodyPr>
-            <a:normAutofit fontScale="92500" lnSpcReduction="10000"/>
+            <a:normAutofit fontScale="92500" lnSpcReduction="20000"/>
           </a:bodyPr>
           <a:lstStyle/>
           <a:p>
             <a:r>
               <a:rPr lang="en-US" b="0" i="1" dirty="0" smtClean="0"/>
-              <a:t>An online </a:t>
-            </a:r>
-            <a:r>
-              <a:rPr lang="en-US" b="0" i="1" dirty="0" smtClean="0"/>
-              <a:t>SHOPPING website </a:t>
-            </a:r>
-            <a:r>
-              <a:rPr lang="en-US" b="0" i="1" dirty="0" smtClean="0"/>
-              <a:t>project </a:t>
-            </a:r>
-            <a:endParaRPr lang="en-US" b="0" i="1" dirty="0" smtClean="0"/>
-          </a:p>
-          <a:p>
-            <a:r>
-              <a:rPr lang="en-US" dirty="0" smtClean="0"/>
-              <a:t>by </a:t>
-            </a:r>
-            <a:r>
-              <a:rPr lang="en-US" dirty="0" smtClean="0"/>
-              <a:t>group 2</a:t>
+              <a:t>An online SHOPPING website project </a:t>
+            </a:r>
+          </a:p>
+          <a:p>
+            <a:r>
+              <a:rPr lang="en-US" dirty="0" smtClean="0"/>
+              <a:t>by group 2</a:t>
             </a:r>
           </a:p>
           <a:p>
@@ -6180,6 +6167,32 @@
               <a:rPr lang="en-US" sz="1200" dirty="0" err="1" smtClean="0"/>
               <a:t>Kalingasan</a:t>
             </a:r>
+            <a:endParaRPr lang="en-US" sz="1200" dirty="0" smtClean="0"/>
+          </a:p>
+          <a:p>
+            <a:r>
+              <a:rPr lang="en-US" sz="1200" b="0" dirty="0" err="1" smtClean="0"/>
+              <a:t>Ziegfreid</a:t>
+            </a:r>
+            <a:r>
+              <a:rPr lang="en-US" sz="1200" b="0" dirty="0" smtClean="0"/>
+              <a:t> </a:t>
+            </a:r>
+            <a:r>
+              <a:rPr lang="en-US" sz="1200" b="0" dirty="0" err="1" smtClean="0"/>
+              <a:t>morissey</a:t>
+            </a:r>
+            <a:r>
+              <a:rPr lang="en-US" sz="1200" b="0" dirty="0" smtClean="0"/>
+              <a:t> </a:t>
+            </a:r>
+            <a:r>
+              <a:rPr lang="en-US" sz="1200" dirty="0" err="1" smtClean="0"/>
+              <a:t>flameÑo</a:t>
+            </a:r>
+            <a:endParaRPr lang="en-US" sz="1200" dirty="0" smtClean="0"/>
+          </a:p>
+          <a:p>
             <a:endParaRPr lang="en-US" sz="1200" dirty="0"/>
           </a:p>
         </p:txBody>

--- a/7. Group Project/W6D5_Project/Powerpoint/Watch Me Whip.pptx
+++ b/7. Group Project/W6D5_Project/Powerpoint/Watch Me Whip.pptx
@@ -4,6 +4,9 @@
   <p:sldMasterIdLst>
     <p:sldMasterId id="2147483888" r:id="rId1"/>
   </p:sldMasterIdLst>
+  <p:notesMasterIdLst>
+    <p:notesMasterId r:id="rId14"/>
+  </p:notesMasterIdLst>
   <p:sldIdLst>
     <p:sldId id="256" r:id="rId2"/>
     <p:sldId id="260" r:id="rId3"/>
@@ -116,6 +119,434 @@
     </a:lvl9pPr>
   </p:defaultTextStyle>
 </p:presentation>
+</file>
+
+<file path=ppt/notesMasters/notesMaster1.xml><?xml version="1.0" encoding="utf-8"?>
+<p:notesMaster xmlns:a="http://schemas.openxmlformats.org/drawingml/2006/main" xmlns:r="http://schemas.openxmlformats.org/officeDocument/2006/relationships" xmlns:p="http://schemas.openxmlformats.org/presentationml/2006/main">
+  <p:cSld>
+    <p:bg>
+      <p:bgRef idx="1001">
+        <a:schemeClr val="bg1"/>
+      </p:bgRef>
+    </p:bg>
+    <p:spTree>
+      <p:nvGrpSpPr>
+        <p:cNvPr id="1" name=""/>
+        <p:cNvGrpSpPr/>
+        <p:nvPr/>
+      </p:nvGrpSpPr>
+      <p:grpSpPr>
+        <a:xfrm>
+          <a:off x="0" y="0"/>
+          <a:ext cx="0" cy="0"/>
+          <a:chOff x="0" y="0"/>
+          <a:chExt cx="0" cy="0"/>
+        </a:xfrm>
+      </p:grpSpPr>
+      <p:sp>
+        <p:nvSpPr>
+          <p:cNvPr id="2" name="Header Placeholder 1"/>
+          <p:cNvSpPr>
+            <a:spLocks noGrp="1"/>
+          </p:cNvSpPr>
+          <p:nvPr>
+            <p:ph type="hdr" sz="quarter"/>
+          </p:nvPr>
+        </p:nvSpPr>
+        <p:spPr>
+          <a:xfrm>
+            <a:off x="0" y="0"/>
+            <a:ext cx="2971800" cy="457200"/>
+          </a:xfrm>
+          <a:prstGeom prst="rect">
+            <a:avLst/>
+          </a:prstGeom>
+        </p:spPr>
+        <p:txBody>
+          <a:bodyPr vert="horz" lIns="91440" tIns="45720" rIns="91440" bIns="45720" rtlCol="0"/>
+          <a:lstStyle>
+            <a:lvl1pPr algn="l">
+              <a:defRPr sz="1200"/>
+            </a:lvl1pPr>
+          </a:lstStyle>
+          <a:p>
+            <a:endParaRPr lang="en-US"/>
+          </a:p>
+        </p:txBody>
+      </p:sp>
+      <p:sp>
+        <p:nvSpPr>
+          <p:cNvPr id="3" name="Date Placeholder 2"/>
+          <p:cNvSpPr>
+            <a:spLocks noGrp="1"/>
+          </p:cNvSpPr>
+          <p:nvPr>
+            <p:ph type="dt" idx="1"/>
+          </p:nvPr>
+        </p:nvSpPr>
+        <p:spPr>
+          <a:xfrm>
+            <a:off x="3884613" y="0"/>
+            <a:ext cx="2971800" cy="457200"/>
+          </a:xfrm>
+          <a:prstGeom prst="rect">
+            <a:avLst/>
+          </a:prstGeom>
+        </p:spPr>
+        <p:txBody>
+          <a:bodyPr vert="horz" lIns="91440" tIns="45720" rIns="91440" bIns="45720" rtlCol="0"/>
+          <a:lstStyle>
+            <a:lvl1pPr algn="r">
+              <a:defRPr sz="1200"/>
+            </a:lvl1pPr>
+          </a:lstStyle>
+          <a:p>
+            <a:fld id="{8ACEE6A4-CD8C-46D0-AC54-02C22E116AC1}" type="datetimeFigureOut">
+              <a:rPr lang="en-US" smtClean="0"/>
+              <a:t>7/25/2016</a:t>
+            </a:fld>
+            <a:endParaRPr lang="en-US"/>
+          </a:p>
+        </p:txBody>
+      </p:sp>
+      <p:sp>
+        <p:nvSpPr>
+          <p:cNvPr id="4" name="Slide Image Placeholder 3"/>
+          <p:cNvSpPr>
+            <a:spLocks noGrp="1" noRot="1" noChangeAspect="1"/>
+          </p:cNvSpPr>
+          <p:nvPr>
+            <p:ph type="sldImg" idx="2"/>
+          </p:nvPr>
+        </p:nvSpPr>
+        <p:spPr>
+          <a:xfrm>
+            <a:off x="1143000" y="685800"/>
+            <a:ext cx="4572000" cy="3429000"/>
+          </a:xfrm>
+          <a:prstGeom prst="rect">
+            <a:avLst/>
+          </a:prstGeom>
+          <a:noFill/>
+          <a:ln w="12700">
+            <a:solidFill>
+              <a:prstClr val="black"/>
+            </a:solidFill>
+          </a:ln>
+        </p:spPr>
+        <p:txBody>
+          <a:bodyPr vert="horz" lIns="91440" tIns="45720" rIns="91440" bIns="45720" rtlCol="0" anchor="ctr"/>
+          <a:lstStyle/>
+          <a:p>
+            <a:endParaRPr lang="en-US"/>
+          </a:p>
+        </p:txBody>
+      </p:sp>
+      <p:sp>
+        <p:nvSpPr>
+          <p:cNvPr id="5" name="Notes Placeholder 4"/>
+          <p:cNvSpPr>
+            <a:spLocks noGrp="1"/>
+          </p:cNvSpPr>
+          <p:nvPr>
+            <p:ph type="body" sz="quarter" idx="3"/>
+          </p:nvPr>
+        </p:nvSpPr>
+        <p:spPr>
+          <a:xfrm>
+            <a:off x="685800" y="4343400"/>
+            <a:ext cx="5486400" cy="4114800"/>
+          </a:xfrm>
+          <a:prstGeom prst="rect">
+            <a:avLst/>
+          </a:prstGeom>
+        </p:spPr>
+        <p:txBody>
+          <a:bodyPr vert="horz" lIns="91440" tIns="45720" rIns="91440" bIns="45720" rtlCol="0">
+            <a:normAutofit/>
+          </a:bodyPr>
+          <a:lstStyle/>
+          <a:p>
+            <a:pPr lvl="0"/>
+            <a:r>
+              <a:rPr lang="en-US" smtClean="0"/>
+              <a:t>Click to edit Master text styles</a:t>
+            </a:r>
+          </a:p>
+          <a:p>
+            <a:pPr lvl="1"/>
+            <a:r>
+              <a:rPr lang="en-US" smtClean="0"/>
+              <a:t>Second level</a:t>
+            </a:r>
+          </a:p>
+          <a:p>
+            <a:pPr lvl="2"/>
+            <a:r>
+              <a:rPr lang="en-US" smtClean="0"/>
+              <a:t>Third level</a:t>
+            </a:r>
+          </a:p>
+          <a:p>
+            <a:pPr lvl="3"/>
+            <a:r>
+              <a:rPr lang="en-US" smtClean="0"/>
+              <a:t>Fourth level</a:t>
+            </a:r>
+          </a:p>
+          <a:p>
+            <a:pPr lvl="4"/>
+            <a:r>
+              <a:rPr lang="en-US" smtClean="0"/>
+              <a:t>Fifth level</a:t>
+            </a:r>
+            <a:endParaRPr lang="en-US"/>
+          </a:p>
+        </p:txBody>
+      </p:sp>
+      <p:sp>
+        <p:nvSpPr>
+          <p:cNvPr id="6" name="Footer Placeholder 5"/>
+          <p:cNvSpPr>
+            <a:spLocks noGrp="1"/>
+          </p:cNvSpPr>
+          <p:nvPr>
+            <p:ph type="ftr" sz="quarter" idx="4"/>
+          </p:nvPr>
+        </p:nvSpPr>
+        <p:spPr>
+          <a:xfrm>
+            <a:off x="0" y="8685213"/>
+            <a:ext cx="2971800" cy="457200"/>
+          </a:xfrm>
+          <a:prstGeom prst="rect">
+            <a:avLst/>
+          </a:prstGeom>
+        </p:spPr>
+        <p:txBody>
+          <a:bodyPr vert="horz" lIns="91440" tIns="45720" rIns="91440" bIns="45720" rtlCol="0" anchor="b"/>
+          <a:lstStyle>
+            <a:lvl1pPr algn="l">
+              <a:defRPr sz="1200"/>
+            </a:lvl1pPr>
+          </a:lstStyle>
+          <a:p>
+            <a:endParaRPr lang="en-US"/>
+          </a:p>
+        </p:txBody>
+      </p:sp>
+      <p:sp>
+        <p:nvSpPr>
+          <p:cNvPr id="7" name="Slide Number Placeholder 6"/>
+          <p:cNvSpPr>
+            <a:spLocks noGrp="1"/>
+          </p:cNvSpPr>
+          <p:nvPr>
+            <p:ph type="sldNum" sz="quarter" idx="5"/>
+          </p:nvPr>
+        </p:nvSpPr>
+        <p:spPr>
+          <a:xfrm>
+            <a:off x="3884613" y="8685213"/>
+            <a:ext cx="2971800" cy="457200"/>
+          </a:xfrm>
+          <a:prstGeom prst="rect">
+            <a:avLst/>
+          </a:prstGeom>
+        </p:spPr>
+        <p:txBody>
+          <a:bodyPr vert="horz" lIns="91440" tIns="45720" rIns="91440" bIns="45720" rtlCol="0" anchor="b"/>
+          <a:lstStyle>
+            <a:lvl1pPr algn="r">
+              <a:defRPr sz="1200"/>
+            </a:lvl1pPr>
+          </a:lstStyle>
+          <a:p>
+            <a:fld id="{FEEAFB3B-9D53-438A-B3E3-F4DAB65D212A}" type="slidenum">
+              <a:rPr lang="en-US" smtClean="0"/>
+              <a:t>‹#›</a:t>
+            </a:fld>
+            <a:endParaRPr lang="en-US"/>
+          </a:p>
+        </p:txBody>
+      </p:sp>
+    </p:spTree>
+  </p:cSld>
+  <p:clrMap bg1="lt1" tx1="dk1" bg2="lt2" tx2="dk2" accent1="accent1" accent2="accent2" accent3="accent3" accent4="accent4" accent5="accent5" accent6="accent6" hlink="hlink" folHlink="folHlink"/>
+  <p:notesStyle>
+    <a:lvl1pPr marL="0" algn="l" defTabSz="914400" rtl="0" eaLnBrk="1" latinLnBrk="0" hangingPunct="1">
+      <a:defRPr sz="1200" kern="1200">
+        <a:solidFill>
+          <a:schemeClr val="tx1"/>
+        </a:solidFill>
+        <a:latin typeface="+mn-lt"/>
+        <a:ea typeface="+mn-ea"/>
+        <a:cs typeface="+mn-cs"/>
+      </a:defRPr>
+    </a:lvl1pPr>
+    <a:lvl2pPr marL="457200" algn="l" defTabSz="914400" rtl="0" eaLnBrk="1" latinLnBrk="0" hangingPunct="1">
+      <a:defRPr sz="1200" kern="1200">
+        <a:solidFill>
+          <a:schemeClr val="tx1"/>
+        </a:solidFill>
+        <a:latin typeface="+mn-lt"/>
+        <a:ea typeface="+mn-ea"/>
+        <a:cs typeface="+mn-cs"/>
+      </a:defRPr>
+    </a:lvl2pPr>
+    <a:lvl3pPr marL="914400" algn="l" defTabSz="914400" rtl="0" eaLnBrk="1" latinLnBrk="0" hangingPunct="1">
+      <a:defRPr sz="1200" kern="1200">
+        <a:solidFill>
+          <a:schemeClr val="tx1"/>
+        </a:solidFill>
+        <a:latin typeface="+mn-lt"/>
+        <a:ea typeface="+mn-ea"/>
+        <a:cs typeface="+mn-cs"/>
+      </a:defRPr>
+    </a:lvl3pPr>
+    <a:lvl4pPr marL="1371600" algn="l" defTabSz="914400" rtl="0" eaLnBrk="1" latinLnBrk="0" hangingPunct="1">
+      <a:defRPr sz="1200" kern="1200">
+        <a:solidFill>
+          <a:schemeClr val="tx1"/>
+        </a:solidFill>
+        <a:latin typeface="+mn-lt"/>
+        <a:ea typeface="+mn-ea"/>
+        <a:cs typeface="+mn-cs"/>
+      </a:defRPr>
+    </a:lvl4pPr>
+    <a:lvl5pPr marL="1828800" algn="l" defTabSz="914400" rtl="0" eaLnBrk="1" latinLnBrk="0" hangingPunct="1">
+      <a:defRPr sz="1200" kern="1200">
+        <a:solidFill>
+          <a:schemeClr val="tx1"/>
+        </a:solidFill>
+        <a:latin typeface="+mn-lt"/>
+        <a:ea typeface="+mn-ea"/>
+        <a:cs typeface="+mn-cs"/>
+      </a:defRPr>
+    </a:lvl5pPr>
+    <a:lvl6pPr marL="2286000" algn="l" defTabSz="914400" rtl="0" eaLnBrk="1" latinLnBrk="0" hangingPunct="1">
+      <a:defRPr sz="1200" kern="1200">
+        <a:solidFill>
+          <a:schemeClr val="tx1"/>
+        </a:solidFill>
+        <a:latin typeface="+mn-lt"/>
+        <a:ea typeface="+mn-ea"/>
+        <a:cs typeface="+mn-cs"/>
+      </a:defRPr>
+    </a:lvl6pPr>
+    <a:lvl7pPr marL="2743200" algn="l" defTabSz="914400" rtl="0" eaLnBrk="1" latinLnBrk="0" hangingPunct="1">
+      <a:defRPr sz="1200" kern="1200">
+        <a:solidFill>
+          <a:schemeClr val="tx1"/>
+        </a:solidFill>
+        <a:latin typeface="+mn-lt"/>
+        <a:ea typeface="+mn-ea"/>
+        <a:cs typeface="+mn-cs"/>
+      </a:defRPr>
+    </a:lvl7pPr>
+    <a:lvl8pPr marL="3200400" algn="l" defTabSz="914400" rtl="0" eaLnBrk="1" latinLnBrk="0" hangingPunct="1">
+      <a:defRPr sz="1200" kern="1200">
+        <a:solidFill>
+          <a:schemeClr val="tx1"/>
+        </a:solidFill>
+        <a:latin typeface="+mn-lt"/>
+        <a:ea typeface="+mn-ea"/>
+        <a:cs typeface="+mn-cs"/>
+      </a:defRPr>
+    </a:lvl8pPr>
+    <a:lvl9pPr marL="3657600" algn="l" defTabSz="914400" rtl="0" eaLnBrk="1" latinLnBrk="0" hangingPunct="1">
+      <a:defRPr sz="1200" kern="1200">
+        <a:solidFill>
+          <a:schemeClr val="tx1"/>
+        </a:solidFill>
+        <a:latin typeface="+mn-lt"/>
+        <a:ea typeface="+mn-ea"/>
+        <a:cs typeface="+mn-cs"/>
+      </a:defRPr>
+    </a:lvl9pPr>
+  </p:notesStyle>
+</p:notesMaster>
+</file>
+
+<file path=ppt/notesSlides/notesSlide1.xml><?xml version="1.0" encoding="utf-8"?>
+<p:notes xmlns:a="http://schemas.openxmlformats.org/drawingml/2006/main" xmlns:r="http://schemas.openxmlformats.org/officeDocument/2006/relationships" xmlns:p="http://schemas.openxmlformats.org/presentationml/2006/main">
+  <p:cSld>
+    <p:spTree>
+      <p:nvGrpSpPr>
+        <p:cNvPr id="1" name=""/>
+        <p:cNvGrpSpPr/>
+        <p:nvPr/>
+      </p:nvGrpSpPr>
+      <p:grpSpPr>
+        <a:xfrm>
+          <a:off x="0" y="0"/>
+          <a:ext cx="0" cy="0"/>
+          <a:chOff x="0" y="0"/>
+          <a:chExt cx="0" cy="0"/>
+        </a:xfrm>
+      </p:grpSpPr>
+      <p:sp>
+        <p:nvSpPr>
+          <p:cNvPr id="2" name="Slide Image Placeholder 1"/>
+          <p:cNvSpPr>
+            <a:spLocks noGrp="1" noRot="1" noChangeAspect="1"/>
+          </p:cNvSpPr>
+          <p:nvPr>
+            <p:ph type="sldImg"/>
+          </p:nvPr>
+        </p:nvSpPr>
+        <p:spPr/>
+      </p:sp>
+      <p:sp>
+        <p:nvSpPr>
+          <p:cNvPr id="3" name="Notes Placeholder 2"/>
+          <p:cNvSpPr>
+            <a:spLocks noGrp="1"/>
+          </p:cNvSpPr>
+          <p:nvPr>
+            <p:ph type="body" idx="1"/>
+          </p:nvPr>
+        </p:nvSpPr>
+        <p:spPr/>
+        <p:txBody>
+          <a:bodyPr>
+            <a:normAutofit/>
+          </a:bodyPr>
+          <a:lstStyle/>
+          <a:p>
+            <a:endParaRPr lang="en-US" dirty="0"/>
+          </a:p>
+        </p:txBody>
+      </p:sp>
+      <p:sp>
+        <p:nvSpPr>
+          <p:cNvPr id="4" name="Slide Number Placeholder 3"/>
+          <p:cNvSpPr>
+            <a:spLocks noGrp="1"/>
+          </p:cNvSpPr>
+          <p:nvPr>
+            <p:ph type="sldNum" sz="quarter" idx="10"/>
+          </p:nvPr>
+        </p:nvSpPr>
+        <p:spPr/>
+        <p:txBody>
+          <a:bodyPr/>
+          <a:lstStyle/>
+          <a:p>
+            <a:fld id="{FEEAFB3B-9D53-438A-B3E3-F4DAB65D212A}" type="slidenum">
+              <a:rPr lang="en-US" smtClean="0"/>
+              <a:t>12</a:t>
+            </a:fld>
+            <a:endParaRPr lang="en-US"/>
+          </a:p>
+        </p:txBody>
+      </p:sp>
+    </p:spTree>
+  </p:cSld>
+  <p:clrMapOvr>
+    <a:masterClrMapping/>
+  </p:clrMapOvr>
+</p:notes>
 </file>
 
 <file path=ppt/slideLayouts/slideLayout1.xml><?xml version="1.0" encoding="utf-8"?>
@@ -6524,7 +6955,7 @@
         <p:spPr/>
         <p:txBody>
           <a:bodyPr>
-            <a:normAutofit lnSpcReduction="10000"/>
+            <a:normAutofit fontScale="77500" lnSpcReduction="20000"/>
           </a:bodyPr>
           <a:lstStyle/>
           <a:p>
@@ -6560,13 +6991,24 @@
           <a:p>
             <a:r>
               <a:rPr lang="en-US" dirty="0" smtClean="0"/>
+              <a:t>JPA</a:t>
+            </a:r>
+            <a:endParaRPr lang="en-US" dirty="0" smtClean="0"/>
+          </a:p>
+          <a:p>
+            <a:r>
+              <a:rPr lang="en-US" dirty="0" smtClean="0"/>
               <a:t>JPQL</a:t>
             </a:r>
           </a:p>
           <a:p>
             <a:r>
               <a:rPr lang="en-US" dirty="0" smtClean="0"/>
-              <a:t>Password Hash</a:t>
+              <a:t>Password </a:t>
+            </a:r>
+            <a:r>
+              <a:rPr lang="en-US" dirty="0" smtClean="0"/>
+              <a:t>Hash</a:t>
             </a:r>
           </a:p>
           <a:p>
@@ -6577,6 +7019,19 @@
             <a:r>
               <a:rPr lang="en-US" dirty="0" err="1" smtClean="0"/>
               <a:t>Validator</a:t>
+            </a:r>
+            <a:endParaRPr lang="en-US" dirty="0" smtClean="0"/>
+          </a:p>
+          <a:p>
+            <a:r>
+              <a:rPr lang="en-US" dirty="0" smtClean="0"/>
+              <a:t>Spring MVC</a:t>
+            </a:r>
+          </a:p>
+          <a:p>
+            <a:r>
+              <a:rPr lang="en-US" dirty="0" smtClean="0"/>
+              <a:t>Log4J</a:t>
             </a:r>
             <a:endParaRPr lang="en-US" dirty="0" smtClean="0"/>
           </a:p>
@@ -8020,4 +8475,287 @@
   <a:objectDefaults/>
   <a:extraClrSchemeLst/>
 </a:theme>
+</file>
+
+<file path=ppt/theme/theme2.xml><?xml version="1.0" encoding="utf-8"?>
+<a:theme xmlns:a="http://schemas.openxmlformats.org/drawingml/2006/main" name="Office Theme">
+  <a:themeElements>
+    <a:clrScheme name="Office">
+      <a:dk1>
+        <a:sysClr val="windowText" lastClr="000000"/>
+      </a:dk1>
+      <a:lt1>
+        <a:sysClr val="window" lastClr="FFFFFF"/>
+      </a:lt1>
+      <a:dk2>
+        <a:srgbClr val="1F497D"/>
+      </a:dk2>
+      <a:lt2>
+        <a:srgbClr val="EEECE1"/>
+      </a:lt2>
+      <a:accent1>
+        <a:srgbClr val="4F81BD"/>
+      </a:accent1>
+      <a:accent2>
+        <a:srgbClr val="C0504D"/>
+      </a:accent2>
+      <a:accent3>
+        <a:srgbClr val="9BBB59"/>
+      </a:accent3>
+      <a:accent4>
+        <a:srgbClr val="8064A2"/>
+      </a:accent4>
+      <a:accent5>
+        <a:srgbClr val="4BACC6"/>
+      </a:accent5>
+      <a:accent6>
+        <a:srgbClr val="F79646"/>
+      </a:accent6>
+      <a:hlink>
+        <a:srgbClr val="0000FF"/>
+      </a:hlink>
+      <a:folHlink>
+        <a:srgbClr val="800080"/>
+      </a:folHlink>
+    </a:clrScheme>
+    <a:fontScheme name="Office">
+      <a:majorFont>
+        <a:latin typeface="Calibri"/>
+        <a:ea typeface=""/>
+        <a:cs typeface=""/>
+        <a:font script="Jpan" typeface="ＭＳ Ｐゴシック"/>
+        <a:font script="Hang" typeface="맑은 고딕"/>
+        <a:font script="Hans" typeface="宋体"/>
+        <a:font script="Hant" typeface="新細明體"/>
+        <a:font script="Arab" typeface="Times New Roman"/>
+        <a:font script="Hebr" typeface="Times New Roman"/>
+        <a:font script="Thai" typeface="Angsana New"/>
+        <a:font script="Ethi" typeface="Nyala"/>
+        <a:font script="Beng" typeface="Vrinda"/>
+        <a:font script="Gujr" typeface="Shruti"/>
+        <a:font script="Khmr" typeface="MoolBoran"/>
+        <a:font script="Knda" typeface="Tunga"/>
+        <a:font script="Guru" typeface="Raavi"/>
+        <a:font script="Cans" typeface="Euphemia"/>
+        <a:font script="Cher" typeface="Plantagenet Cherokee"/>
+        <a:font script="Yiii" typeface="Microsoft Yi Baiti"/>
+        <a:font script="Tibt" typeface="Microsoft Himalaya"/>
+        <a:font script="Thaa" typeface="MV Boli"/>
+        <a:font script="Deva" typeface="Mangal"/>
+        <a:font script="Telu" typeface="Gautami"/>
+        <a:font script="Taml" typeface="Latha"/>
+        <a:font script="Syrc" typeface="Estrangelo Edessa"/>
+        <a:font script="Orya" typeface="Kalinga"/>
+        <a:font script="Mlym" typeface="Kartika"/>
+        <a:font script="Laoo" typeface="DokChampa"/>
+        <a:font script="Sinh" typeface="Iskoola Pota"/>
+        <a:font script="Mong" typeface="Mongolian Baiti"/>
+        <a:font script="Viet" typeface="Times New Roman"/>
+        <a:font script="Uigh" typeface="Microsoft Uighur"/>
+      </a:majorFont>
+      <a:minorFont>
+        <a:latin typeface="Calibri"/>
+        <a:ea typeface=""/>
+        <a:cs typeface=""/>
+        <a:font script="Jpan" typeface="ＭＳ Ｐゴシック"/>
+        <a:font script="Hang" typeface="맑은 고딕"/>
+        <a:font script="Hans" typeface="宋体"/>
+        <a:font script="Hant" typeface="新細明體"/>
+        <a:font script="Arab" typeface="Arial"/>
+        <a:font script="Hebr" typeface="Arial"/>
+        <a:font script="Thai" typeface="Cordia New"/>
+        <a:font script="Ethi" typeface="Nyala"/>
+        <a:font script="Beng" typeface="Vrinda"/>
+        <a:font script="Gujr" typeface="Shruti"/>
+        <a:font script="Khmr" typeface="DaunPenh"/>
+        <a:font script="Knda" typeface="Tunga"/>
+        <a:font script="Guru" typeface="Raavi"/>
+        <a:font script="Cans" typeface="Euphemia"/>
+        <a:font script="Cher" typeface="Plantagenet Cherokee"/>
+        <a:font script="Yiii" typeface="Microsoft Yi Baiti"/>
+        <a:font script="Tibt" typeface="Microsoft Himalaya"/>
+        <a:font script="Thaa" typeface="MV Boli"/>
+        <a:font script="Deva" typeface="Mangal"/>
+        <a:font script="Telu" typeface="Gautami"/>
+        <a:font script="Taml" typeface="Latha"/>
+        <a:font script="Syrc" typeface="Estrangelo Edessa"/>
+        <a:font script="Orya" typeface="Kalinga"/>
+        <a:font script="Mlym" typeface="Kartika"/>
+        <a:font script="Laoo" typeface="DokChampa"/>
+        <a:font script="Sinh" typeface="Iskoola Pota"/>
+        <a:font script="Mong" typeface="Mongolian Baiti"/>
+        <a:font script="Viet" typeface="Arial"/>
+        <a:font script="Uigh" typeface="Microsoft Uighur"/>
+      </a:minorFont>
+    </a:fontScheme>
+    <a:fmtScheme name="Office">
+      <a:fillStyleLst>
+        <a:solidFill>
+          <a:schemeClr val="phClr"/>
+        </a:solidFill>
+        <a:gradFill rotWithShape="1">
+          <a:gsLst>
+            <a:gs pos="0">
+              <a:schemeClr val="phClr">
+                <a:tint val="50000"/>
+                <a:satMod val="300000"/>
+              </a:schemeClr>
+            </a:gs>
+            <a:gs pos="35000">
+              <a:schemeClr val="phClr">
+                <a:tint val="37000"/>
+                <a:satMod val="300000"/>
+              </a:schemeClr>
+            </a:gs>
+            <a:gs pos="100000">
+              <a:schemeClr val="phClr">
+                <a:tint val="15000"/>
+                <a:satMod val="350000"/>
+              </a:schemeClr>
+            </a:gs>
+          </a:gsLst>
+          <a:lin ang="16200000" scaled="1"/>
+        </a:gradFill>
+        <a:gradFill rotWithShape="1">
+          <a:gsLst>
+            <a:gs pos="0">
+              <a:schemeClr val="phClr">
+                <a:shade val="51000"/>
+                <a:satMod val="130000"/>
+              </a:schemeClr>
+            </a:gs>
+            <a:gs pos="80000">
+              <a:schemeClr val="phClr">
+                <a:shade val="93000"/>
+                <a:satMod val="130000"/>
+              </a:schemeClr>
+            </a:gs>
+            <a:gs pos="100000">
+              <a:schemeClr val="phClr">
+                <a:shade val="94000"/>
+                <a:satMod val="135000"/>
+              </a:schemeClr>
+            </a:gs>
+          </a:gsLst>
+          <a:lin ang="16200000" scaled="0"/>
+        </a:gradFill>
+      </a:fillStyleLst>
+      <a:lnStyleLst>
+        <a:ln w="9525" cap="flat" cmpd="sng" algn="ctr">
+          <a:solidFill>
+            <a:schemeClr val="phClr">
+              <a:shade val="95000"/>
+              <a:satMod val="105000"/>
+            </a:schemeClr>
+          </a:solidFill>
+          <a:prstDash val="solid"/>
+        </a:ln>
+        <a:ln w="25400" cap="flat" cmpd="sng" algn="ctr">
+          <a:solidFill>
+            <a:schemeClr val="phClr"/>
+          </a:solidFill>
+          <a:prstDash val="solid"/>
+        </a:ln>
+        <a:ln w="38100" cap="flat" cmpd="sng" algn="ctr">
+          <a:solidFill>
+            <a:schemeClr val="phClr"/>
+          </a:solidFill>
+          <a:prstDash val="solid"/>
+        </a:ln>
+      </a:lnStyleLst>
+      <a:effectStyleLst>
+        <a:effectStyle>
+          <a:effectLst>
+            <a:outerShdw blurRad="40000" dist="20000" dir="5400000" rotWithShape="0">
+              <a:srgbClr val="000000">
+                <a:alpha val="38000"/>
+              </a:srgbClr>
+            </a:outerShdw>
+          </a:effectLst>
+        </a:effectStyle>
+        <a:effectStyle>
+          <a:effectLst>
+            <a:outerShdw blurRad="40000" dist="23000" dir="5400000" rotWithShape="0">
+              <a:srgbClr val="000000">
+                <a:alpha val="35000"/>
+              </a:srgbClr>
+            </a:outerShdw>
+          </a:effectLst>
+        </a:effectStyle>
+        <a:effectStyle>
+          <a:effectLst>
+            <a:outerShdw blurRad="40000" dist="23000" dir="5400000" rotWithShape="0">
+              <a:srgbClr val="000000">
+                <a:alpha val="35000"/>
+              </a:srgbClr>
+            </a:outerShdw>
+          </a:effectLst>
+          <a:scene3d>
+            <a:camera prst="orthographicFront">
+              <a:rot lat="0" lon="0" rev="0"/>
+            </a:camera>
+            <a:lightRig rig="threePt" dir="t">
+              <a:rot lat="0" lon="0" rev="1200000"/>
+            </a:lightRig>
+          </a:scene3d>
+          <a:sp3d>
+            <a:bevelT w="63500" h="25400"/>
+          </a:sp3d>
+        </a:effectStyle>
+      </a:effectStyleLst>
+      <a:bgFillStyleLst>
+        <a:solidFill>
+          <a:schemeClr val="phClr"/>
+        </a:solidFill>
+        <a:gradFill rotWithShape="1">
+          <a:gsLst>
+            <a:gs pos="0">
+              <a:schemeClr val="phClr">
+                <a:tint val="40000"/>
+                <a:satMod val="350000"/>
+              </a:schemeClr>
+            </a:gs>
+            <a:gs pos="40000">
+              <a:schemeClr val="phClr">
+                <a:tint val="45000"/>
+                <a:shade val="99000"/>
+                <a:satMod val="350000"/>
+              </a:schemeClr>
+            </a:gs>
+            <a:gs pos="100000">
+              <a:schemeClr val="phClr">
+                <a:shade val="20000"/>
+                <a:satMod val="255000"/>
+              </a:schemeClr>
+            </a:gs>
+          </a:gsLst>
+          <a:path path="circle">
+            <a:fillToRect l="50000" t="-80000" r="50000" b="180000"/>
+          </a:path>
+        </a:gradFill>
+        <a:gradFill rotWithShape="1">
+          <a:gsLst>
+            <a:gs pos="0">
+              <a:schemeClr val="phClr">
+                <a:tint val="80000"/>
+                <a:satMod val="300000"/>
+              </a:schemeClr>
+            </a:gs>
+            <a:gs pos="100000">
+              <a:schemeClr val="phClr">
+                <a:shade val="30000"/>
+                <a:satMod val="200000"/>
+              </a:schemeClr>
+            </a:gs>
+          </a:gsLst>
+          <a:path path="circle">
+            <a:fillToRect l="50000" t="50000" r="50000" b="50000"/>
+          </a:path>
+        </a:gradFill>
+      </a:bgFillStyleLst>
+    </a:fmtScheme>
+  </a:themeElements>
+  <a:objectDefaults/>
+  <a:extraClrSchemeLst/>
+</a:theme>
 </file>
--- a/7. Group Project/W6D5_Project/Powerpoint/Watch Me Whip.pptx
+++ b/7. Group Project/W6D5_Project/Powerpoint/Watch Me Whip.pptx
@@ -8093,7 +8093,6 @@
         </p:nvPicPr>
         <p:blipFill>
           <a:blip r:embed="rId2" cstate="print"/>
-          <a:srcRect/>
           <a:stretch>
             <a:fillRect/>
           </a:stretch>
@@ -8101,7 +8100,7 @@
         <p:spPr bwMode="auto">
           <a:xfrm>
             <a:off x="3124200" y="381000"/>
-            <a:ext cx="5638800" cy="6027968"/>
+            <a:ext cx="5638799" cy="6027968"/>
           </a:xfrm>
           <a:prstGeom prst="rect">
             <a:avLst/>

--- a/7. Group Project/W6D5_Project/Powerpoint/Watch Me Whip.pptx
+++ b/7. Group Project/W6D5_Project/Powerpoint/Watch Me Whip.pptx
@@ -5,7 +5,7 @@
     <p:sldMasterId id="2147483888" r:id="rId1"/>
   </p:sldMasterIdLst>
   <p:notesMasterIdLst>
-    <p:notesMasterId r:id="rId14"/>
+    <p:notesMasterId r:id="rId15"/>
   </p:notesMasterIdLst>
   <p:sldIdLst>
     <p:sldId id="256" r:id="rId2"/>
@@ -18,8 +18,9 @@
     <p:sldId id="257" r:id="rId9"/>
     <p:sldId id="268" r:id="rId10"/>
     <p:sldId id="261" r:id="rId11"/>
-    <p:sldId id="262" r:id="rId12"/>
-    <p:sldId id="264" r:id="rId13"/>
+    <p:sldId id="269" r:id="rId12"/>
+    <p:sldId id="262" r:id="rId13"/>
+    <p:sldId id="264" r:id="rId14"/>
   </p:sldIdLst>
   <p:sldSz cx="9144000" cy="6858000" type="screen4x3"/>
   <p:notesSz cx="6858000" cy="9144000"/>
@@ -203,6 +204,7 @@
           <a:p>
             <a:fld id="{8ACEE6A4-CD8C-46D0-AC54-02C22E116AC1}" type="datetimeFigureOut">
               <a:rPr lang="en-US" smtClean="0"/>
+              <a:pPr/>
               <a:t>7/25/2016</a:t>
             </a:fld>
             <a:endParaRPr lang="en-US"/>
@@ -364,6 +366,7 @@
           <a:p>
             <a:fld id="{FEEAFB3B-9D53-438A-B3E3-F4DAB65D212A}" type="slidenum">
               <a:rPr lang="en-US" smtClean="0"/>
+              <a:pPr/>
               <a:t>‹#›</a:t>
             </a:fld>
             <a:endParaRPr lang="en-US"/>
@@ -535,7 +538,8 @@
           <a:p>
             <a:fld id="{FEEAFB3B-9D53-438A-B3E3-F4DAB65D212A}" type="slidenum">
               <a:rPr lang="en-US" smtClean="0"/>
-              <a:t>12</a:t>
+              <a:pPr/>
+              <a:t>13</a:t>
             </a:fld>
             <a:endParaRPr lang="en-US"/>
           </a:p>
@@ -6777,123 +6781,36 @@
           <a:p>
             <a:r>
               <a:rPr lang="en-US" dirty="0" smtClean="0"/>
-              <a:t>Detailed Functions Per User</a:t>
+              <a:t>UML Diagram</a:t>
             </a:r>
             <a:endParaRPr lang="en-US" dirty="0"/>
           </a:p>
         </p:txBody>
       </p:sp>
-      <p:sp>
-        <p:nvSpPr>
-          <p:cNvPr id="3" name="Content Placeholder 2"/>
-          <p:cNvSpPr>
-            <a:spLocks noGrp="1"/>
-          </p:cNvSpPr>
-          <p:nvPr>
-            <p:ph sz="quarter" idx="1"/>
-          </p:nvPr>
-        </p:nvSpPr>
-        <p:spPr/>
-        <p:txBody>
-          <a:bodyPr>
-            <a:normAutofit fontScale="92500" lnSpcReduction="10000"/>
-          </a:bodyPr>
-          <a:lstStyle/>
-          <a:p>
-            <a:r>
-              <a:rPr lang="en-US" dirty="0" smtClean="0"/>
-              <a:t>Customer</a:t>
-            </a:r>
-          </a:p>
-          <a:p>
-            <a:pPr lvl="1"/>
-            <a:r>
-              <a:rPr lang="en-US" dirty="0" smtClean="0"/>
-              <a:t>Register/Login/Logout</a:t>
-            </a:r>
-          </a:p>
-          <a:p>
-            <a:pPr lvl="1"/>
-            <a:r>
-              <a:rPr lang="en-US" dirty="0" smtClean="0"/>
-              <a:t>Browse products</a:t>
-            </a:r>
-          </a:p>
-          <a:p>
-            <a:pPr lvl="1"/>
-            <a:r>
-              <a:rPr lang="en-US" dirty="0" smtClean="0"/>
-              <a:t>Add to Cart</a:t>
-            </a:r>
-          </a:p>
-          <a:p>
-            <a:pPr lvl="1"/>
-            <a:r>
-              <a:rPr lang="en-US" dirty="0" smtClean="0"/>
-              <a:t>Edit cart</a:t>
-            </a:r>
-          </a:p>
-          <a:p>
-            <a:pPr lvl="1"/>
-            <a:r>
-              <a:rPr lang="en-US" dirty="0" smtClean="0"/>
-              <a:t>Remove product from cart</a:t>
-            </a:r>
-          </a:p>
-          <a:p>
-            <a:pPr lvl="1"/>
-            <a:r>
-              <a:rPr lang="en-US" dirty="0" smtClean="0"/>
-              <a:t>Add to favorite</a:t>
-            </a:r>
-          </a:p>
-          <a:p>
-            <a:pPr lvl="1"/>
-            <a:r>
-              <a:rPr lang="en-US" dirty="0" smtClean="0"/>
-              <a:t>Apply premium</a:t>
-            </a:r>
-          </a:p>
-          <a:p>
-            <a:pPr lvl="1"/>
-            <a:endParaRPr lang="en-US" dirty="0" smtClean="0"/>
-          </a:p>
-          <a:p>
-            <a:r>
-              <a:rPr lang="en-US" dirty="0" smtClean="0"/>
-              <a:t>Admin</a:t>
-            </a:r>
-          </a:p>
-          <a:p>
-            <a:pPr lvl="1"/>
-            <a:r>
-              <a:rPr lang="en-US" dirty="0" smtClean="0"/>
-              <a:t>Start Admin Topic consumer</a:t>
-            </a:r>
-          </a:p>
-          <a:p>
-            <a:pPr lvl="1"/>
-            <a:r>
-              <a:rPr lang="en-US" dirty="0" smtClean="0"/>
-              <a:t>Approve Customer premium requests</a:t>
-            </a:r>
-          </a:p>
-          <a:p>
-            <a:endParaRPr lang="en-US" dirty="0" smtClean="0"/>
-          </a:p>
-          <a:p>
-            <a:pPr lvl="1"/>
-            <a:endParaRPr lang="en-US" dirty="0" smtClean="0"/>
-          </a:p>
-          <a:p>
-            <a:pPr lvl="1"/>
-            <a:endParaRPr lang="en-US" dirty="0" smtClean="0"/>
-          </a:p>
-          <a:p>
-            <a:endParaRPr lang="en-US" dirty="0" smtClean="0"/>
-          </a:p>
-        </p:txBody>
-      </p:sp>
+      <p:pic>
+        <p:nvPicPr>
+          <p:cNvPr id="4" name="Picture 3" descr="W6D5_SEQUENCEDIAGRAM.jpg"/>
+          <p:cNvPicPr>
+            <a:picLocks noChangeAspect="1"/>
+          </p:cNvPicPr>
+          <p:nvPr/>
+        </p:nvPicPr>
+        <p:blipFill>
+          <a:blip r:embed="rId2" cstate="print"/>
+          <a:stretch>
+            <a:fillRect/>
+          </a:stretch>
+        </p:blipFill>
+        <p:spPr>
+          <a:xfrm>
+            <a:off x="228600" y="1600200"/>
+            <a:ext cx="8686800" cy="4724400"/>
+          </a:xfrm>
+          <a:prstGeom prst="rect">
+            <a:avLst/>
+          </a:prstGeom>
+        </p:spPr>
+      </p:pic>
     </p:spTree>
   </p:cSld>
   <p:clrMapOvr>
@@ -6936,6 +6853,165 @@
           <a:p>
             <a:r>
               <a:rPr lang="en-US" dirty="0" smtClean="0"/>
+              <a:t>Detailed Functions Per User</a:t>
+            </a:r>
+            <a:endParaRPr lang="en-US" dirty="0"/>
+          </a:p>
+        </p:txBody>
+      </p:sp>
+      <p:sp>
+        <p:nvSpPr>
+          <p:cNvPr id="3" name="Content Placeholder 2"/>
+          <p:cNvSpPr>
+            <a:spLocks noGrp="1"/>
+          </p:cNvSpPr>
+          <p:nvPr>
+            <p:ph sz="quarter" idx="1"/>
+          </p:nvPr>
+        </p:nvSpPr>
+        <p:spPr/>
+        <p:txBody>
+          <a:bodyPr>
+            <a:normAutofit fontScale="92500" lnSpcReduction="10000"/>
+          </a:bodyPr>
+          <a:lstStyle/>
+          <a:p>
+            <a:r>
+              <a:rPr lang="en-US" dirty="0" smtClean="0"/>
+              <a:t>Customer</a:t>
+            </a:r>
+          </a:p>
+          <a:p>
+            <a:pPr lvl="1"/>
+            <a:r>
+              <a:rPr lang="en-US" dirty="0" smtClean="0"/>
+              <a:t>Register/Login/Logout</a:t>
+            </a:r>
+          </a:p>
+          <a:p>
+            <a:pPr lvl="1"/>
+            <a:r>
+              <a:rPr lang="en-US" dirty="0" smtClean="0"/>
+              <a:t>Browse products</a:t>
+            </a:r>
+          </a:p>
+          <a:p>
+            <a:pPr lvl="1"/>
+            <a:r>
+              <a:rPr lang="en-US" dirty="0" smtClean="0"/>
+              <a:t>Add to Cart</a:t>
+            </a:r>
+          </a:p>
+          <a:p>
+            <a:pPr lvl="1"/>
+            <a:r>
+              <a:rPr lang="en-US" dirty="0" smtClean="0"/>
+              <a:t>Edit cart</a:t>
+            </a:r>
+          </a:p>
+          <a:p>
+            <a:pPr lvl="1"/>
+            <a:r>
+              <a:rPr lang="en-US" dirty="0" smtClean="0"/>
+              <a:t>Remove product from cart</a:t>
+            </a:r>
+          </a:p>
+          <a:p>
+            <a:pPr lvl="1"/>
+            <a:r>
+              <a:rPr lang="en-US" dirty="0" smtClean="0"/>
+              <a:t>Add to favorite</a:t>
+            </a:r>
+          </a:p>
+          <a:p>
+            <a:pPr lvl="1"/>
+            <a:r>
+              <a:rPr lang="en-US" dirty="0" smtClean="0"/>
+              <a:t>Apply premium</a:t>
+            </a:r>
+          </a:p>
+          <a:p>
+            <a:pPr lvl="1"/>
+            <a:endParaRPr lang="en-US" dirty="0" smtClean="0"/>
+          </a:p>
+          <a:p>
+            <a:r>
+              <a:rPr lang="en-US" dirty="0" smtClean="0"/>
+              <a:t>Admin</a:t>
+            </a:r>
+          </a:p>
+          <a:p>
+            <a:pPr lvl="1"/>
+            <a:r>
+              <a:rPr lang="en-US" dirty="0" smtClean="0"/>
+              <a:t>Start Admin Topic consumer</a:t>
+            </a:r>
+          </a:p>
+          <a:p>
+            <a:pPr lvl="1"/>
+            <a:r>
+              <a:rPr lang="en-US" dirty="0" smtClean="0"/>
+              <a:t>Approve Customer premium requests</a:t>
+            </a:r>
+          </a:p>
+          <a:p>
+            <a:endParaRPr lang="en-US" dirty="0" smtClean="0"/>
+          </a:p>
+          <a:p>
+            <a:pPr lvl="1"/>
+            <a:endParaRPr lang="en-US" dirty="0" smtClean="0"/>
+          </a:p>
+          <a:p>
+            <a:pPr lvl="1"/>
+            <a:endParaRPr lang="en-US" dirty="0" smtClean="0"/>
+          </a:p>
+          <a:p>
+            <a:endParaRPr lang="en-US" dirty="0" smtClean="0"/>
+          </a:p>
+        </p:txBody>
+      </p:sp>
+    </p:spTree>
+  </p:cSld>
+  <p:clrMapOvr>
+    <a:masterClrMapping/>
+  </p:clrMapOvr>
+</p:sld>
+</file>
+
+<file path=ppt/slides/slide13.xml><?xml version="1.0" encoding="utf-8"?>
+<p:sld xmlns:a="http://schemas.openxmlformats.org/drawingml/2006/main" xmlns:r="http://schemas.openxmlformats.org/officeDocument/2006/relationships" xmlns:p="http://schemas.openxmlformats.org/presentationml/2006/main">
+  <p:cSld>
+    <p:spTree>
+      <p:nvGrpSpPr>
+        <p:cNvPr id="1" name=""/>
+        <p:cNvGrpSpPr/>
+        <p:nvPr/>
+      </p:nvGrpSpPr>
+      <p:grpSpPr>
+        <a:xfrm>
+          <a:off x="0" y="0"/>
+          <a:ext cx="0" cy="0"/>
+          <a:chOff x="0" y="0"/>
+          <a:chExt cx="0" cy="0"/>
+        </a:xfrm>
+      </p:grpSpPr>
+      <p:sp>
+        <p:nvSpPr>
+          <p:cNvPr id="2" name="Title 1"/>
+          <p:cNvSpPr>
+            <a:spLocks noGrp="1"/>
+          </p:cNvSpPr>
+          <p:nvPr>
+            <p:ph type="title"/>
+          </p:nvPr>
+        </p:nvSpPr>
+        <p:spPr/>
+        <p:txBody>
+          <a:bodyPr/>
+          <a:lstStyle/>
+          <a:p>
+            <a:r>
+              <a:rPr lang="en-US" dirty="0" smtClean="0"/>
               <a:t>Concepts Applied:</a:t>
             </a:r>
             <a:endParaRPr lang="en-US" dirty="0"/>
@@ -6993,7 +7069,6 @@
               <a:rPr lang="en-US" dirty="0" smtClean="0"/>
               <a:t>JPA</a:t>
             </a:r>
-            <a:endParaRPr lang="en-US" dirty="0" smtClean="0"/>
           </a:p>
           <a:p>
             <a:r>
@@ -7004,11 +7079,7 @@
           <a:p>
             <a:r>
               <a:rPr lang="en-US" dirty="0" smtClean="0"/>
-              <a:t>Password </a:t>
-            </a:r>
-            <a:r>
-              <a:rPr lang="en-US" dirty="0" smtClean="0"/>
-              <a:t>Hash</a:t>
+              <a:t>Password Hash</a:t>
             </a:r>
           </a:p>
           <a:p>
@@ -7033,7 +7104,6 @@
               <a:rPr lang="en-US" dirty="0" smtClean="0"/>
               <a:t>Log4J</a:t>
             </a:r>
-            <a:endParaRPr lang="en-US" dirty="0" smtClean="0"/>
           </a:p>
           <a:p>
             <a:r>

--- a/7. Group Project/W6D5_Project/Powerpoint/Watch Me Whip.pptx
+++ b/7. Group Project/W6D5_Project/Powerpoint/Watch Me Whip.pptx
@@ -5,7 +5,7 @@
     <p:sldMasterId id="2147483888" r:id="rId1"/>
   </p:sldMasterIdLst>
   <p:notesMasterIdLst>
-    <p:notesMasterId r:id="rId15"/>
+    <p:notesMasterId r:id="rId16"/>
   </p:notesMasterIdLst>
   <p:sldIdLst>
     <p:sldId id="256" r:id="rId2"/>
@@ -18,9 +18,10 @@
     <p:sldId id="257" r:id="rId9"/>
     <p:sldId id="268" r:id="rId10"/>
     <p:sldId id="261" r:id="rId11"/>
-    <p:sldId id="269" r:id="rId12"/>
-    <p:sldId id="262" r:id="rId13"/>
-    <p:sldId id="264" r:id="rId14"/>
+    <p:sldId id="272" r:id="rId12"/>
+    <p:sldId id="270" r:id="rId13"/>
+    <p:sldId id="262" r:id="rId14"/>
+    <p:sldId id="264" r:id="rId15"/>
   </p:sldIdLst>
   <p:sldSz cx="9144000" cy="6858000" type="screen4x3"/>
   <p:notesSz cx="6858000" cy="9144000"/>
@@ -539,7 +540,7 @@
             <a:fld id="{FEEAFB3B-9D53-438A-B3E3-F4DAB65D212A}" type="slidenum">
               <a:rPr lang="en-US" smtClean="0"/>
               <a:pPr/>
-              <a:t>13</a:t>
+              <a:t>14</a:t>
             </a:fld>
             <a:endParaRPr lang="en-US"/>
           </a:p>
@@ -6789,7 +6790,7 @@
       </p:sp>
       <p:pic>
         <p:nvPicPr>
-          <p:cNvPr id="4" name="Picture 3" descr="W6D5_SEQUENCEDIAGRAM.jpg"/>
+          <p:cNvPr id="4" name="Picture 3" descr="W6D5_CLASSDIAGRAM.jpg"/>
           <p:cNvPicPr>
             <a:picLocks noChangeAspect="1"/>
           </p:cNvPicPr>
@@ -6803,8 +6804,8 @@
         </p:blipFill>
         <p:spPr>
           <a:xfrm>
-            <a:off x="228600" y="1600200"/>
-            <a:ext cx="8686800" cy="4724400"/>
+            <a:off x="228600" y="1586700"/>
+            <a:ext cx="8686800" cy="4737900"/>
           </a:xfrm>
           <a:prstGeom prst="rect">
             <a:avLst/>
@@ -6853,6 +6854,110 @@
           <a:p>
             <a:r>
               <a:rPr lang="en-US" dirty="0" smtClean="0"/>
+              <a:t>UML Diagram</a:t>
+            </a:r>
+            <a:endParaRPr lang="en-US" dirty="0"/>
+          </a:p>
+        </p:txBody>
+      </p:sp>
+      <p:sp>
+        <p:nvSpPr>
+          <p:cNvPr id="5" name="Text Placeholder 4"/>
+          <p:cNvSpPr>
+            <a:spLocks noGrp="1"/>
+          </p:cNvSpPr>
+          <p:nvPr>
+            <p:ph type="body" idx="2"/>
+          </p:nvPr>
+        </p:nvSpPr>
+        <p:spPr/>
+        <p:txBody>
+          <a:bodyPr/>
+          <a:lstStyle/>
+          <a:p>
+            <a:r>
+              <a:rPr lang="en-US" dirty="0" smtClean="0"/>
+              <a:t>Sequence Diagram</a:t>
+            </a:r>
+          </a:p>
+          <a:p>
+            <a:endParaRPr lang="en-US" dirty="0"/>
+          </a:p>
+        </p:txBody>
+      </p:sp>
+      <p:pic>
+        <p:nvPicPr>
+          <p:cNvPr id="6" name="Picture 5" descr="W6D5_SEQUENCEDIAGRAM.jpg"/>
+          <p:cNvPicPr>
+            <a:picLocks noChangeAspect="1"/>
+          </p:cNvPicPr>
+          <p:nvPr/>
+        </p:nvPicPr>
+        <p:blipFill>
+          <a:blip r:embed="rId2" cstate="print"/>
+          <a:stretch>
+            <a:fillRect/>
+          </a:stretch>
+        </p:blipFill>
+        <p:spPr>
+          <a:xfrm>
+            <a:off x="2590800" y="609600"/>
+            <a:ext cx="6400800" cy="5791200"/>
+          </a:xfrm>
+          <a:prstGeom prst="rect">
+            <a:avLst/>
+          </a:prstGeom>
+        </p:spPr>
+      </p:pic>
+    </p:spTree>
+  </p:cSld>
+  <p:clrMapOvr>
+    <a:masterClrMapping/>
+  </p:clrMapOvr>
+  <p:timing>
+    <p:tnLst>
+      <p:par>
+        <p:cTn id="1" dur="indefinite" restart="never" nodeType="tmRoot"/>
+      </p:par>
+    </p:tnLst>
+  </p:timing>
+</p:sld>
+</file>
+
+<file path=ppt/slides/slide13.xml><?xml version="1.0" encoding="utf-8"?>
+<p:sld xmlns:a="http://schemas.openxmlformats.org/drawingml/2006/main" xmlns:r="http://schemas.openxmlformats.org/officeDocument/2006/relationships" xmlns:p="http://schemas.openxmlformats.org/presentationml/2006/main">
+  <p:cSld>
+    <p:spTree>
+      <p:nvGrpSpPr>
+        <p:cNvPr id="1" name=""/>
+        <p:cNvGrpSpPr/>
+        <p:nvPr/>
+      </p:nvGrpSpPr>
+      <p:grpSpPr>
+        <a:xfrm>
+          <a:off x="0" y="0"/>
+          <a:ext cx="0" cy="0"/>
+          <a:chOff x="0" y="0"/>
+          <a:chExt cx="0" cy="0"/>
+        </a:xfrm>
+      </p:grpSpPr>
+      <p:sp>
+        <p:nvSpPr>
+          <p:cNvPr id="2" name="Title 1"/>
+          <p:cNvSpPr>
+            <a:spLocks noGrp="1"/>
+          </p:cNvSpPr>
+          <p:nvPr>
+            <p:ph type="title"/>
+          </p:nvPr>
+        </p:nvSpPr>
+        <p:spPr/>
+        <p:txBody>
+          <a:bodyPr/>
+          <a:lstStyle/>
+          <a:p>
+            <a:r>
+              <a:rPr lang="en-US" dirty="0" smtClean="0"/>
               <a:t>Detailed Functions Per User</a:t>
             </a:r>
             <a:endParaRPr lang="en-US" dirty="0"/>
@@ -6978,7 +7083,7 @@
 </p:sld>
 </file>
 
-<file path=ppt/slides/slide13.xml><?xml version="1.0" encoding="utf-8"?>
+<file path=ppt/slides/slide14.xml><?xml version="1.0" encoding="utf-8"?>
 <p:sld xmlns:a="http://schemas.openxmlformats.org/drawingml/2006/main" xmlns:r="http://schemas.openxmlformats.org/officeDocument/2006/relationships" xmlns:p="http://schemas.openxmlformats.org/presentationml/2006/main">
   <p:cSld>
     <p:spTree>

--- a/7. Group Project/W6D5_Project/Powerpoint/Watch Me Whip.pptx
+++ b/7. Group Project/W6D5_Project/Powerpoint/Watch Me Whip.pptx
@@ -7482,11 +7482,17 @@
             </a:r>
             <a:r>
               <a:rPr lang="en-US" dirty="0" smtClean="0"/>
-              <a:t> file)</a:t>
-            </a:r>
-          </a:p>
-          <a:p>
-            <a:endParaRPr lang="en-US" dirty="0"/>
+              <a:t> </a:t>
+            </a:r>
+            <a:r>
+              <a:rPr lang="en-US" smtClean="0"/>
+              <a:t>file</a:t>
+            </a:r>
+            <a:r>
+              <a:rPr lang="en-US" smtClean="0"/>
+              <a:t>)</a:t>
+            </a:r>
+            <a:endParaRPr lang="en-US" dirty="0" smtClean="0"/>
           </a:p>
         </p:txBody>
       </p:sp>
